--- a/Figures_PDF/site_hydrology.pptx
+++ b/Figures_PDF/site_hydrology.pptx
@@ -104,6 +104,11 @@
       </a:defRPr>
     </a:lvl9pPr>
   </p:defaultTextStyle>
+  <p:extLst>
+    <p:ext uri="{EFAFB233-063F-42B5-8137-9DF3F51BA10A}">
+      <p15:sldGuideLst xmlns:p15="http://schemas.microsoft.com/office/powerpoint/2012/main"/>
+    </p:ext>
+  </p:extLst>
 </p:presentation>
 </file>
 
@@ -238,7 +243,7 @@
           <a:p>
             <a:fld id="{88E3D962-4FB1-46DB-AC1E-5C783BD2F97B}" type="datetimeFigureOut">
               <a:rPr lang="en-US" smtClean="0"/>
-              <a:t>4/17/2024</a:t>
+              <a:t>5/17/2024</a:t>
             </a:fld>
             <a:endParaRPr lang="en-US"/>
           </a:p>
@@ -408,7 +413,7 @@
           <a:p>
             <a:fld id="{88E3D962-4FB1-46DB-AC1E-5C783BD2F97B}" type="datetimeFigureOut">
               <a:rPr lang="en-US" smtClean="0"/>
-              <a:t>4/17/2024</a:t>
+              <a:t>5/17/2024</a:t>
             </a:fld>
             <a:endParaRPr lang="en-US"/>
           </a:p>
@@ -588,7 +593,7 @@
           <a:p>
             <a:fld id="{88E3D962-4FB1-46DB-AC1E-5C783BD2F97B}" type="datetimeFigureOut">
               <a:rPr lang="en-US" smtClean="0"/>
-              <a:t>4/17/2024</a:t>
+              <a:t>5/17/2024</a:t>
             </a:fld>
             <a:endParaRPr lang="en-US"/>
           </a:p>
@@ -758,7 +763,7 @@
           <a:p>
             <a:fld id="{88E3D962-4FB1-46DB-AC1E-5C783BD2F97B}" type="datetimeFigureOut">
               <a:rPr lang="en-US" smtClean="0"/>
-              <a:t>4/17/2024</a:t>
+              <a:t>5/17/2024</a:t>
             </a:fld>
             <a:endParaRPr lang="en-US"/>
           </a:p>
@@ -1004,7 +1009,7 @@
           <a:p>
             <a:fld id="{88E3D962-4FB1-46DB-AC1E-5C783BD2F97B}" type="datetimeFigureOut">
               <a:rPr lang="en-US" smtClean="0"/>
-              <a:t>4/17/2024</a:t>
+              <a:t>5/17/2024</a:t>
             </a:fld>
             <a:endParaRPr lang="en-US"/>
           </a:p>
@@ -1236,7 +1241,7 @@
           <a:p>
             <a:fld id="{88E3D962-4FB1-46DB-AC1E-5C783BD2F97B}" type="datetimeFigureOut">
               <a:rPr lang="en-US" smtClean="0"/>
-              <a:t>4/17/2024</a:t>
+              <a:t>5/17/2024</a:t>
             </a:fld>
             <a:endParaRPr lang="en-US"/>
           </a:p>
@@ -1603,7 +1608,7 @@
           <a:p>
             <a:fld id="{88E3D962-4FB1-46DB-AC1E-5C783BD2F97B}" type="datetimeFigureOut">
               <a:rPr lang="en-US" smtClean="0"/>
-              <a:t>4/17/2024</a:t>
+              <a:t>5/17/2024</a:t>
             </a:fld>
             <a:endParaRPr lang="en-US"/>
           </a:p>
@@ -1721,7 +1726,7 @@
           <a:p>
             <a:fld id="{88E3D962-4FB1-46DB-AC1E-5C783BD2F97B}" type="datetimeFigureOut">
               <a:rPr lang="en-US" smtClean="0"/>
-              <a:t>4/17/2024</a:t>
+              <a:t>5/17/2024</a:t>
             </a:fld>
             <a:endParaRPr lang="en-US"/>
           </a:p>
@@ -1816,7 +1821,7 @@
           <a:p>
             <a:fld id="{88E3D962-4FB1-46DB-AC1E-5C783BD2F97B}" type="datetimeFigureOut">
               <a:rPr lang="en-US" smtClean="0"/>
-              <a:t>4/17/2024</a:t>
+              <a:t>5/17/2024</a:t>
             </a:fld>
             <a:endParaRPr lang="en-US"/>
           </a:p>
@@ -2093,7 +2098,7 @@
           <a:p>
             <a:fld id="{88E3D962-4FB1-46DB-AC1E-5C783BD2F97B}" type="datetimeFigureOut">
               <a:rPr lang="en-US" smtClean="0"/>
-              <a:t>4/17/2024</a:t>
+              <a:t>5/17/2024</a:t>
             </a:fld>
             <a:endParaRPr lang="en-US"/>
           </a:p>
@@ -2346,7 +2351,7 @@
           <a:p>
             <a:fld id="{88E3D962-4FB1-46DB-AC1E-5C783BD2F97B}" type="datetimeFigureOut">
               <a:rPr lang="en-US" smtClean="0"/>
-              <a:t>4/17/2024</a:t>
+              <a:t>5/17/2024</a:t>
             </a:fld>
             <a:endParaRPr lang="en-US"/>
           </a:p>
@@ -2559,7 +2564,7 @@
           <a:p>
             <a:fld id="{88E3D962-4FB1-46DB-AC1E-5C783BD2F97B}" type="datetimeFigureOut">
               <a:rPr lang="en-US" smtClean="0"/>
-              <a:t>4/17/2024</a:t>
+              <a:t>5/17/2024</a:t>
             </a:fld>
             <a:endParaRPr lang="en-US"/>
           </a:p>
@@ -2986,7 +2991,7 @@
         </p:blipFill>
         <p:spPr>
           <a:xfrm>
-            <a:off x="361659" y="1181066"/>
+            <a:off x="503174" y="1184602"/>
             <a:ext cx="5364228" cy="4465038"/>
           </a:xfrm>
           <a:prstGeom prst="rect">
@@ -3016,7 +3021,7 @@
         </p:blipFill>
         <p:spPr>
           <a:xfrm>
-            <a:off x="6128963" y="1181066"/>
+            <a:off x="6684135" y="1182834"/>
             <a:ext cx="5366351" cy="4466806"/>
           </a:xfrm>
           <a:prstGeom prst="rect">
@@ -3024,6 +3029,115 @@
           </a:prstGeom>
         </p:spPr>
       </p:pic>
+      <p:sp>
+        <p:nvSpPr>
+          <p:cNvPr id="4" name="Textfeld 3"/>
+          <p:cNvSpPr txBox="1"/>
+          <p:nvPr/>
+        </p:nvSpPr>
+        <p:spPr>
+          <a:xfrm>
+            <a:off x="57007" y="1063091"/>
+            <a:ext cx="548548" cy="584775"/>
+          </a:xfrm>
+          <a:prstGeom prst="rect">
+            <a:avLst/>
+          </a:prstGeom>
+          <a:noFill/>
+        </p:spPr>
+        <p:txBody>
+          <a:bodyPr wrap="none" rtlCol="0">
+            <a:spAutoFit/>
+          </a:bodyPr>
+          <a:lstStyle/>
+          <a:p>
+            <a:r>
+              <a:rPr lang="en-US" sz="3200" b="1" dirty="0" smtClean="0">
+                <a:solidFill>
+                  <a:schemeClr val="tx1">
+                    <a:lumMod val="85000"/>
+                    <a:lumOff val="15000"/>
+                  </a:schemeClr>
+                </a:solidFill>
+                <a:latin typeface="Arial" panose="020B0604020202020204" pitchFamily="34" charset="0"/>
+                <a:cs typeface="Arial" panose="020B0604020202020204" pitchFamily="34" charset="0"/>
+              </a:rPr>
+              <a:t>a)</a:t>
+            </a:r>
+            <a:endParaRPr lang="en-US" sz="3200" b="1" dirty="0">
+              <a:solidFill>
+                <a:schemeClr val="tx1">
+                  <a:lumMod val="85000"/>
+                  <a:lumOff val="15000"/>
+                </a:schemeClr>
+              </a:solidFill>
+              <a:latin typeface="Arial" panose="020B0604020202020204" pitchFamily="34" charset="0"/>
+              <a:cs typeface="Arial" panose="020B0604020202020204" pitchFamily="34" charset="0"/>
+            </a:endParaRPr>
+          </a:p>
+        </p:txBody>
+      </p:sp>
+      <p:sp>
+        <p:nvSpPr>
+          <p:cNvPr id="5" name="Textfeld 4"/>
+          <p:cNvSpPr txBox="1"/>
+          <p:nvPr/>
+        </p:nvSpPr>
+        <p:spPr>
+          <a:xfrm>
+            <a:off x="6156777" y="1063090"/>
+            <a:ext cx="570990" cy="584775"/>
+          </a:xfrm>
+          <a:prstGeom prst="rect">
+            <a:avLst/>
+          </a:prstGeom>
+          <a:noFill/>
+        </p:spPr>
+        <p:txBody>
+          <a:bodyPr wrap="none" rtlCol="0">
+            <a:spAutoFit/>
+          </a:bodyPr>
+          <a:lstStyle/>
+          <a:p>
+            <a:r>
+              <a:rPr lang="en-US" sz="3200" b="1" dirty="0">
+                <a:solidFill>
+                  <a:schemeClr val="tx1">
+                    <a:lumMod val="85000"/>
+                    <a:lumOff val="15000"/>
+                  </a:schemeClr>
+                </a:solidFill>
+                <a:latin typeface="Arial" panose="020B0604020202020204" pitchFamily="34" charset="0"/>
+                <a:cs typeface="Arial" panose="020B0604020202020204" pitchFamily="34" charset="0"/>
+              </a:rPr>
+              <a:t>b</a:t>
+            </a:r>
+            <a:r>
+              <a:rPr lang="en-US" sz="3200" b="1" dirty="0" smtClean="0">
+                <a:solidFill>
+                  <a:schemeClr val="tx1">
+                    <a:lumMod val="85000"/>
+                    <a:lumOff val="15000"/>
+                  </a:schemeClr>
+                </a:solidFill>
+                <a:latin typeface="Arial" panose="020B0604020202020204" pitchFamily="34" charset="0"/>
+                <a:cs typeface="Arial" panose="020B0604020202020204" pitchFamily="34" charset="0"/>
+              </a:rPr>
+              <a:t>)</a:t>
+            </a:r>
+            <a:endParaRPr lang="en-US" sz="3200" b="1" dirty="0">
+              <a:solidFill>
+                <a:schemeClr val="tx1">
+                  <a:lumMod val="85000"/>
+                  <a:lumOff val="15000"/>
+                </a:schemeClr>
+              </a:solidFill>
+              <a:latin typeface="Arial" panose="020B0604020202020204" pitchFamily="34" charset="0"/>
+              <a:cs typeface="Arial" panose="020B0604020202020204" pitchFamily="34" charset="0"/>
+            </a:endParaRPr>
+          </a:p>
+        </p:txBody>
+      </p:sp>
     </p:spTree>
     <p:extLst>
       <p:ext uri="{BB962C8B-B14F-4D97-AF65-F5344CB8AC3E}">
@@ -3034,6 +3148,13 @@
   <p:clrMapOvr>
     <a:masterClrMapping/>
   </p:clrMapOvr>
+  <p:timing>
+    <p:tnLst>
+      <p:par>
+        <p:cTn id="1" dur="indefinite" restart="never" nodeType="tmRoot"/>
+      </p:par>
+    </p:tnLst>
+  </p:timing>
 </p:sld>
 </file>
 
